--- a/#4 (FINAL)Testing & Evaluation/Testing & Evaluation.pptx
+++ b/#4 (FINAL)Testing & Evaluation/Testing & Evaluation.pptx
@@ -5462,7 +5462,7 @@
                   <a:schemeClr val="bg1"/>
                 </a:solidFill>
               </a:rPr>
-              <a:t>양방향</a:t>
+              <a:t>단일방향</a:t>
             </a:r>
             <a:r>
               <a:rPr lang="en-US" altLang="ko-KR" sz="1600" dirty="0">
@@ -6126,7 +6126,7 @@
                 </a:solidFill>
                 <a:sym typeface="Wingdings" panose="05000000000000000000" pitchFamily="2" charset="2"/>
               </a:rPr>
-              <a:t>ParadeInfoMap</a:t>
+              <a:t>ParadeInfo</a:t>
             </a:r>
             <a:r>
               <a:rPr lang="en-US" altLang="ko-KR" sz="1600" dirty="0">
@@ -6406,7 +6406,7 @@
                   <a:schemeClr val="bg1"/>
                 </a:solidFill>
               </a:rPr>
-              <a:t>Design Patter : MVC </a:t>
+              <a:t>Design Pattern : MVC </a:t>
             </a:r>
             <a:r>
               <a:rPr lang="en-US" altLang="ko-KR" sz="1600" dirty="0">
@@ -6460,7 +6460,7 @@
                   <a:schemeClr val="bg1"/>
                 </a:solidFill>
               </a:rPr>
-              <a:t>Program Components</a:t>
+              <a:t>Program Solving</a:t>
             </a:r>
             <a:endParaRPr lang="ko-KR" altLang="en-US" sz="2000" b="1" dirty="0">
               <a:solidFill>
@@ -8242,8 +8242,8 @@
         </p:nvSpPr>
         <p:spPr>
           <a:xfrm>
-            <a:off x="5589032" y="1390691"/>
-            <a:ext cx="2410076" cy="646331"/>
+            <a:off x="5309247" y="1409201"/>
+            <a:ext cx="2902699" cy="646331"/>
           </a:xfrm>
           <a:prstGeom prst="rect">
             <a:avLst/>
@@ -8258,13 +8258,34 @@
           <a:p>
             <a:pPr algn="ctr"/>
             <a:r>
+              <a:rPr lang="ko-KR" altLang="en-US" b="1" dirty="0">
+                <a:solidFill>
+                  <a:srgbClr val="FFC000"/>
+                </a:solidFill>
+              </a:rPr>
+              <a:t>★ </a:t>
+            </a:r>
+            <a:r>
               <a:rPr lang="en-US" altLang="ko-KR" b="1" dirty="0">
                 <a:solidFill>
                   <a:srgbClr val="FFC000"/>
                 </a:solidFill>
               </a:rPr>
-              <a:t>View &amp; Controller</a:t>
-            </a:r>
+              <a:t>View &amp; Controller </a:t>
+            </a:r>
+            <a:r>
+              <a:rPr lang="ko-KR" altLang="en-US" b="1" dirty="0">
+                <a:solidFill>
+                  <a:srgbClr val="FFC000"/>
+                </a:solidFill>
+              </a:rPr>
+              <a:t>★</a:t>
+            </a:r>
+            <a:endParaRPr lang="en-US" altLang="ko-KR" b="1" dirty="0">
+              <a:solidFill>
+                <a:srgbClr val="FFC000"/>
+              </a:solidFill>
+            </a:endParaRPr>
           </a:p>
           <a:p>
             <a:pPr algn="ctr"/>
@@ -9020,8 +9041,8 @@
         </p:nvSpPr>
         <p:spPr>
           <a:xfrm>
-            <a:off x="395536" y="1484784"/>
-            <a:ext cx="8208912" cy="5024773"/>
+            <a:off x="683568" y="1268643"/>
+            <a:ext cx="8208912" cy="5440272"/>
           </a:xfrm>
           <a:prstGeom prst="rect">
             <a:avLst/>
@@ -9045,7 +9066,7 @@
                   <a:schemeClr val="bg1"/>
                 </a:solidFill>
               </a:rPr>
-              <a:t>주제 발표 처음부터 현재까지 일관된 주제 유지 및 구현 완료</a:t>
+              <a:t>첫 주제 발표부터 현재까지 일관성 유지 및 구현 완료</a:t>
             </a:r>
             <a:r>
               <a:rPr lang="en-US" altLang="ko-KR" dirty="0">
@@ -9053,7 +9074,7 @@
                   <a:schemeClr val="bg1"/>
                 </a:solidFill>
               </a:rPr>
-              <a:t>.</a:t>
+              <a:t> </a:t>
             </a:r>
           </a:p>
           <a:p>
@@ -9116,21 +9137,64 @@
             </a:r>
           </a:p>
           <a:p>
-            <a:pPr marL="285750" indent="-285750">
+            <a:pPr>
               <a:lnSpc>
                 <a:spcPct val="150000"/>
               </a:lnSpc>
-              <a:buFont typeface="Wingdings" panose="05000000000000000000" pitchFamily="2" charset="2"/>
-              <a:buChar char="à"/>
             </a:pPr>
+            <a:endParaRPr lang="en-US" altLang="ko-KR" dirty="0">
+              <a:solidFill>
+                <a:schemeClr val="bg1"/>
+              </a:solidFill>
+            </a:endParaRPr>
+          </a:p>
+          <a:p>
+            <a:pPr>
+              <a:lnSpc>
+                <a:spcPct val="150000"/>
+              </a:lnSpc>
+            </a:pPr>
             <a:r>
               <a:rPr lang="ko-KR" altLang="en-US" dirty="0">
                 <a:solidFill>
                   <a:schemeClr val="bg1"/>
                 </a:solidFill>
+              </a:rPr>
+              <a:t>여러가지 목표를 구현하고자 했으나 단일 목표로 변경</a:t>
+            </a:r>
+            <a:endParaRPr lang="en-US" altLang="ko-KR" dirty="0">
+              <a:solidFill>
+                <a:schemeClr val="bg1"/>
+              </a:solidFill>
+            </a:endParaRPr>
+          </a:p>
+          <a:p>
+            <a:pPr>
+              <a:lnSpc>
+                <a:spcPct val="150000"/>
+              </a:lnSpc>
+            </a:pPr>
+            <a:endParaRPr lang="en-US" altLang="ko-KR" dirty="0">
+              <a:solidFill>
+                <a:schemeClr val="bg1"/>
+              </a:solidFill>
+              <a:sym typeface="Wingdings" panose="05000000000000000000" pitchFamily="2" charset="2"/>
+            </a:endParaRPr>
+          </a:p>
+          <a:p>
+            <a:pPr>
+              <a:lnSpc>
+                <a:spcPct val="150000"/>
+              </a:lnSpc>
+            </a:pPr>
+            <a:r>
+              <a:rPr lang="ko-KR" altLang="en-US" dirty="0">
+                <a:solidFill>
+                  <a:schemeClr val="bg1"/>
+                </a:solidFill>
                 <a:sym typeface="Wingdings" panose="05000000000000000000" pitchFamily="2" charset="2"/>
               </a:rPr>
-              <a:t>더 사용하고자 했던</a:t>
+              <a:t>여러 개의 행진을 한번에 화면에 표현 </a:t>
             </a:r>
             <a:r>
               <a:rPr lang="en-US" altLang="ko-KR" dirty="0">
@@ -9139,7 +9203,7 @@
                 </a:solidFill>
                 <a:sym typeface="Wingdings" panose="05000000000000000000" pitchFamily="2" charset="2"/>
               </a:rPr>
-              <a:t> Graph</a:t>
+              <a:t>X   (</a:t>
             </a:r>
             <a:r>
               <a:rPr lang="ko-KR" altLang="en-US" dirty="0">
@@ -9148,7 +9212,7 @@
                 </a:solidFill>
                 <a:sym typeface="Wingdings" panose="05000000000000000000" pitchFamily="2" charset="2"/>
               </a:rPr>
-              <a:t>의 특징들은 시간 부족으로 구현 불가</a:t>
+              <a:t>중복 표시 방법 </a:t>
             </a:r>
             <a:r>
               <a:rPr lang="en-US" altLang="ko-KR" dirty="0">
@@ -9157,34 +9221,7 @@
                 </a:solidFill>
                 <a:sym typeface="Wingdings" panose="05000000000000000000" pitchFamily="2" charset="2"/>
               </a:rPr>
-              <a:t>(</a:t>
-            </a:r>
-            <a:r>
-              <a:rPr lang="ko-KR" altLang="en-US" dirty="0" err="1">
-                <a:solidFill>
-                  <a:schemeClr val="bg1"/>
-                </a:solidFill>
-                <a:sym typeface="Wingdings" panose="05000000000000000000" pitchFamily="2" charset="2"/>
-              </a:rPr>
-              <a:t>중심성</a:t>
-            </a:r>
-            <a:r>
-              <a:rPr lang="ko-KR" altLang="en-US" dirty="0">
-                <a:solidFill>
-                  <a:schemeClr val="bg1"/>
-                </a:solidFill>
-                <a:sym typeface="Wingdings" panose="05000000000000000000" pitchFamily="2" charset="2"/>
-              </a:rPr>
-              <a:t> 등</a:t>
-            </a:r>
-            <a:r>
-              <a:rPr lang="en-US" altLang="ko-KR" dirty="0">
-                <a:solidFill>
-                  <a:schemeClr val="bg1"/>
-                </a:solidFill>
-                <a:sym typeface="Wingdings" panose="05000000000000000000" pitchFamily="2" charset="2"/>
-              </a:rPr>
-              <a:t>)</a:t>
+              <a:t>X)</a:t>
             </a:r>
           </a:p>
           <a:p>
@@ -9209,13 +9246,22 @@
               </a:lnSpc>
             </a:pPr>
             <a:r>
+              <a:rPr lang="en-US" altLang="ko-KR" dirty="0">
+                <a:solidFill>
+                  <a:schemeClr val="bg1"/>
+                </a:solidFill>
+                <a:sym typeface="Wingdings" panose="05000000000000000000" pitchFamily="2" charset="2"/>
+              </a:rPr>
+              <a:t>Node, Edge</a:t>
+            </a:r>
+            <a:r>
               <a:rPr lang="ko-KR" altLang="en-US" dirty="0">
                 <a:solidFill>
                   <a:schemeClr val="bg1"/>
                 </a:solidFill>
                 <a:sym typeface="Wingdings" panose="05000000000000000000" pitchFamily="2" charset="2"/>
               </a:rPr>
-              <a:t>여러 개의 행진을 한번에 화면에 표현 </a:t>
+              <a:t> </a:t>
             </a:r>
             <a:r>
               <a:rPr lang="en-US" altLang="ko-KR" dirty="0">
@@ -9224,7 +9270,61 @@
                 </a:solidFill>
                 <a:sym typeface="Wingdings" panose="05000000000000000000" pitchFamily="2" charset="2"/>
               </a:rPr>
-              <a:t>X</a:t>
+              <a:t>Class </a:t>
+            </a:r>
+            <a:r>
+              <a:rPr lang="ko-KR" altLang="en-US" dirty="0">
+                <a:solidFill>
+                  <a:schemeClr val="bg1"/>
+                </a:solidFill>
+                <a:sym typeface="Wingdings" panose="05000000000000000000" pitchFamily="2" charset="2"/>
+              </a:rPr>
+              <a:t>사용 </a:t>
+            </a:r>
+            <a:r>
+              <a:rPr lang="en-US" altLang="ko-KR" dirty="0">
+                <a:solidFill>
+                  <a:schemeClr val="bg1"/>
+                </a:solidFill>
+                <a:sym typeface="Wingdings" panose="05000000000000000000" pitchFamily="2" charset="2"/>
+              </a:rPr>
+              <a:t>X   (</a:t>
+            </a:r>
+            <a:r>
+              <a:rPr lang="en-US" altLang="ko-KR" dirty="0" err="1">
+                <a:solidFill>
+                  <a:schemeClr val="bg1"/>
+                </a:solidFill>
+                <a:sym typeface="Wingdings" panose="05000000000000000000" pitchFamily="2" charset="2"/>
+              </a:rPr>
+              <a:t>ParadeInfo</a:t>
+            </a:r>
+            <a:r>
+              <a:rPr lang="en-US" altLang="ko-KR" dirty="0">
+                <a:solidFill>
+                  <a:schemeClr val="bg1"/>
+                </a:solidFill>
+                <a:sym typeface="Wingdings" panose="05000000000000000000" pitchFamily="2" charset="2"/>
+              </a:rPr>
+              <a:t> </a:t>
+            </a:r>
+            <a:r>
+              <a:rPr lang="ko-KR" altLang="en-US" dirty="0">
+                <a:solidFill>
+                  <a:schemeClr val="bg1"/>
+                </a:solidFill>
+                <a:sym typeface="Wingdings" panose="05000000000000000000" pitchFamily="2" charset="2"/>
+              </a:rPr>
+              <a:t>중점</a:t>
+            </a:r>
+            <a:r>
+              <a:rPr lang="en-US" altLang="ko-KR" dirty="0">
+                <a:solidFill>
+                  <a:schemeClr val="bg1"/>
+                </a:solidFill>
+                <a:sym typeface="Wingdings" panose="05000000000000000000" pitchFamily="2" charset="2"/>
+              </a:rPr>
+              <a:t>)</a:t>
             </a:r>
           </a:p>
           <a:p>
@@ -9255,110 +9355,16 @@
                 </a:solidFill>
                 <a:sym typeface="Wingdings" panose="05000000000000000000" pitchFamily="2" charset="2"/>
               </a:rPr>
-              <a:t>주제가 정해져서 </a:t>
-            </a:r>
-            <a:r>
-              <a:rPr lang="ko-KR" altLang="en-US" dirty="0" err="1">
+              <a:t>최적화 및 예외처리가 완벽 </a:t>
+            </a:r>
+            <a:r>
+              <a:rPr lang="en-US" altLang="ko-KR" dirty="0">
                 <a:solidFill>
                   <a:schemeClr val="bg1"/>
                 </a:solidFill>
                 <a:sym typeface="Wingdings" panose="05000000000000000000" pitchFamily="2" charset="2"/>
               </a:rPr>
-              <a:t>어쩔수</a:t>
-            </a:r>
-            <a:r>
-              <a:rPr lang="ko-KR" altLang="en-US" dirty="0">
-                <a:solidFill>
-                  <a:schemeClr val="bg1"/>
-                </a:solidFill>
-                <a:sym typeface="Wingdings" panose="05000000000000000000" pitchFamily="2" charset="2"/>
-              </a:rPr>
-              <a:t> 없지만 </a:t>
-            </a:r>
-            <a:r>
-              <a:rPr lang="en-US" altLang="ko-KR" dirty="0">
-                <a:solidFill>
-                  <a:schemeClr val="bg1"/>
-                </a:solidFill>
-                <a:sym typeface="Wingdings" panose="05000000000000000000" pitchFamily="2" charset="2"/>
-              </a:rPr>
-              <a:t>Node, Edge</a:t>
-            </a:r>
-            <a:r>
-              <a:rPr lang="ko-KR" altLang="en-US" dirty="0">
-                <a:solidFill>
-                  <a:schemeClr val="bg1"/>
-                </a:solidFill>
-                <a:sym typeface="Wingdings" panose="05000000000000000000" pitchFamily="2" charset="2"/>
-              </a:rPr>
-              <a:t> </a:t>
-            </a:r>
-            <a:r>
-              <a:rPr lang="en-US" altLang="ko-KR" dirty="0">
-                <a:solidFill>
-                  <a:schemeClr val="bg1"/>
-                </a:solidFill>
-                <a:sym typeface="Wingdings" panose="05000000000000000000" pitchFamily="2" charset="2"/>
-              </a:rPr>
-              <a:t>Class</a:t>
-            </a:r>
-            <a:r>
-              <a:rPr lang="ko-KR" altLang="en-US" dirty="0">
-                <a:solidFill>
-                  <a:schemeClr val="bg1"/>
-                </a:solidFill>
-                <a:sym typeface="Wingdings" panose="05000000000000000000" pitchFamily="2" charset="2"/>
-              </a:rPr>
-              <a:t>를 사용하지 못하여 아쉽</a:t>
-            </a:r>
-            <a:r>
-              <a:rPr lang="en-US" altLang="ko-KR" dirty="0">
-                <a:solidFill>
-                  <a:schemeClr val="bg1"/>
-                </a:solidFill>
-                <a:sym typeface="Wingdings" panose="05000000000000000000" pitchFamily="2" charset="2"/>
-              </a:rPr>
-              <a:t>.</a:t>
-            </a:r>
-          </a:p>
-          <a:p>
-            <a:pPr marL="285750" indent="-285750">
-              <a:lnSpc>
-                <a:spcPct val="150000"/>
-              </a:lnSpc>
-              <a:buFont typeface="Wingdings" panose="05000000000000000000" pitchFamily="2" charset="2"/>
-              <a:buChar char="à"/>
-            </a:pPr>
-            <a:endParaRPr lang="en-US" altLang="ko-KR" dirty="0">
-              <a:solidFill>
-                <a:schemeClr val="bg1"/>
-              </a:solidFill>
-              <a:sym typeface="Wingdings" panose="05000000000000000000" pitchFamily="2" charset="2"/>
-            </a:endParaRPr>
-          </a:p>
-          <a:p>
-            <a:pPr>
-              <a:lnSpc>
-                <a:spcPct val="150000"/>
-              </a:lnSpc>
-            </a:pPr>
-            <a:r>
-              <a:rPr lang="ko-KR" altLang="en-US" dirty="0">
-                <a:solidFill>
-                  <a:schemeClr val="bg1"/>
-                </a:solidFill>
-                <a:sym typeface="Wingdings" panose="05000000000000000000" pitchFamily="2" charset="2"/>
-              </a:rPr>
-              <a:t>최적화 및 예외처리가 완벽 </a:t>
-            </a:r>
-            <a:r>
-              <a:rPr lang="en-US" altLang="ko-KR" dirty="0">
-                <a:solidFill>
-                  <a:schemeClr val="bg1"/>
-                </a:solidFill>
-                <a:sym typeface="Wingdings" panose="05000000000000000000" pitchFamily="2" charset="2"/>
-              </a:rPr>
-              <a:t>X</a:t>
+              <a:t>X   (Data Input)</a:t>
             </a:r>
           </a:p>
           <a:p>
@@ -9380,6 +9386,33 @@
                 <a:spcPct val="150000"/>
               </a:lnSpc>
             </a:pPr>
+            <a:r>
+              <a:rPr lang="ko-KR" altLang="en-US" dirty="0">
+                <a:solidFill>
+                  <a:schemeClr val="bg1"/>
+                </a:solidFill>
+                <a:sym typeface="Wingdings" panose="05000000000000000000" pitchFamily="2" charset="2"/>
+              </a:rPr>
+              <a:t>전반적 코딩 능력</a:t>
+            </a:r>
+            <a:r>
+              <a:rPr lang="en-US" altLang="ko-KR" dirty="0">
+                <a:solidFill>
+                  <a:schemeClr val="bg1"/>
+                </a:solidFill>
+                <a:sym typeface="Wingdings" panose="05000000000000000000" pitchFamily="2" charset="2"/>
+              </a:rPr>
+              <a:t>, Data Structure </a:t>
+            </a:r>
+            <a:r>
+              <a:rPr lang="ko-KR" altLang="en-US" dirty="0">
+                <a:solidFill>
+                  <a:schemeClr val="bg1"/>
+                </a:solidFill>
+                <a:sym typeface="Wingdings" panose="05000000000000000000" pitchFamily="2" charset="2"/>
+              </a:rPr>
+              <a:t>이해력 향상</a:t>
+            </a:r>
             <a:endParaRPr lang="en-US" altLang="ko-KR" dirty="0">
               <a:solidFill>
                 <a:schemeClr val="bg1"/>
@@ -9389,6 +9422,279 @@
           </a:p>
         </p:txBody>
       </p:sp>
+      <p:pic>
+        <p:nvPicPr>
+          <p:cNvPr id="5" name="그림 4">
+            <a:extLst>
+              <a:ext uri="{FF2B5EF4-FFF2-40B4-BE49-F238E27FC236}">
+                <a16:creationId xmlns:a16="http://schemas.microsoft.com/office/drawing/2014/main" id="{9A04ACC4-7AA9-4DD6-A16D-B2CADF1FC99C}"/>
+              </a:ext>
+            </a:extLst>
+          </p:cNvPr>
+          <p:cNvPicPr>
+            <a:picLocks noChangeAspect="1"/>
+          </p:cNvPicPr>
+          <p:nvPr/>
+        </p:nvPicPr>
+        <p:blipFill>
+          <a:blip r:embed="rId4" cstate="print">
+            <a:extLst>
+              <a:ext uri="{28A0092B-C50C-407E-A947-70E740481C1C}">
+                <a14:useLocalDpi xmlns:a14="http://schemas.microsoft.com/office/drawing/2010/main" val="0"/>
+              </a:ext>
+              <a:ext uri="{837473B0-CC2E-450A-ABE3-18F120FF3D39}">
+                <a1611:picAttrSrcUrl xmlns:a1611="http://schemas.microsoft.com/office/drawing/2016/11/main" r:id="rId5"/>
+              </a:ext>
+            </a:extLst>
+          </a:blip>
+          <a:stretch>
+            <a:fillRect/>
+          </a:stretch>
+        </p:blipFill>
+        <p:spPr>
+          <a:xfrm flipH="1">
+            <a:off x="7308304" y="4493527"/>
+            <a:ext cx="596382" cy="596382"/>
+          </a:xfrm>
+          <a:prstGeom prst="rect">
+            <a:avLst/>
+          </a:prstGeom>
+        </p:spPr>
+      </p:pic>
+      <p:pic>
+        <p:nvPicPr>
+          <p:cNvPr id="9" name="그림 8">
+            <a:extLst>
+              <a:ext uri="{FF2B5EF4-FFF2-40B4-BE49-F238E27FC236}">
+                <a16:creationId xmlns:a16="http://schemas.microsoft.com/office/drawing/2014/main" id="{1F1AC1B5-1B98-45D1-9756-75B6788BBD6F}"/>
+              </a:ext>
+            </a:extLst>
+          </p:cNvPr>
+          <p:cNvPicPr>
+            <a:picLocks noChangeAspect="1"/>
+          </p:cNvPicPr>
+          <p:nvPr/>
+        </p:nvPicPr>
+        <p:blipFill>
+          <a:blip r:embed="rId6" cstate="print">
+            <a:extLst>
+              <a:ext uri="{28A0092B-C50C-407E-A947-70E740481C1C}">
+                <a14:useLocalDpi xmlns:a14="http://schemas.microsoft.com/office/drawing/2010/main" val="0"/>
+              </a:ext>
+              <a:ext uri="{837473B0-CC2E-450A-ABE3-18F120FF3D39}">
+                <a1611:picAttrSrcUrl xmlns:a1611="http://schemas.microsoft.com/office/drawing/2016/11/main" r:id="rId7"/>
+              </a:ext>
+            </a:extLst>
+          </a:blip>
+          <a:stretch>
+            <a:fillRect/>
+          </a:stretch>
+        </p:blipFill>
+        <p:spPr>
+          <a:xfrm flipH="1">
+            <a:off x="7308304" y="1268643"/>
+            <a:ext cx="597678" cy="597678"/>
+          </a:xfrm>
+          <a:prstGeom prst="rect">
+            <a:avLst/>
+          </a:prstGeom>
+        </p:spPr>
+      </p:pic>
+      <p:pic>
+        <p:nvPicPr>
+          <p:cNvPr id="15" name="그림 14">
+            <a:extLst>
+              <a:ext uri="{FF2B5EF4-FFF2-40B4-BE49-F238E27FC236}">
+                <a16:creationId xmlns:a16="http://schemas.microsoft.com/office/drawing/2014/main" id="{8F4407FB-E5F9-4FC8-9E53-83B622004D40}"/>
+              </a:ext>
+            </a:extLst>
+          </p:cNvPr>
+          <p:cNvPicPr>
+            <a:picLocks noChangeAspect="1"/>
+          </p:cNvPicPr>
+          <p:nvPr/>
+        </p:nvPicPr>
+        <p:blipFill>
+          <a:blip r:embed="rId8" cstate="print">
+            <a:extLst>
+              <a:ext uri="{28A0092B-C50C-407E-A947-70E740481C1C}">
+                <a14:useLocalDpi xmlns:a14="http://schemas.microsoft.com/office/drawing/2010/main" val="0"/>
+              </a:ext>
+              <a:ext uri="{837473B0-CC2E-450A-ABE3-18F120FF3D39}">
+                <a1611:picAttrSrcUrl xmlns:a1611="http://schemas.microsoft.com/office/drawing/2016/11/main" r:id="rId9"/>
+              </a:ext>
+            </a:extLst>
+          </a:blip>
+          <a:stretch>
+            <a:fillRect/>
+          </a:stretch>
+        </p:blipFill>
+        <p:spPr>
+          <a:xfrm flipH="1">
+            <a:off x="7309600" y="2850815"/>
+            <a:ext cx="596382" cy="596382"/>
+          </a:xfrm>
+          <a:prstGeom prst="rect">
+            <a:avLst/>
+          </a:prstGeom>
+        </p:spPr>
+      </p:pic>
+      <p:pic>
+        <p:nvPicPr>
+          <p:cNvPr id="18" name="그림 17">
+            <a:extLst>
+              <a:ext uri="{FF2B5EF4-FFF2-40B4-BE49-F238E27FC236}">
+                <a16:creationId xmlns:a16="http://schemas.microsoft.com/office/drawing/2014/main" id="{94BFEB4E-F424-4FBB-B65A-B1ED8601B109}"/>
+              </a:ext>
+            </a:extLst>
+          </p:cNvPr>
+          <p:cNvPicPr>
+            <a:picLocks noChangeAspect="1"/>
+          </p:cNvPicPr>
+          <p:nvPr/>
+        </p:nvPicPr>
+        <p:blipFill>
+          <a:blip r:embed="rId10" cstate="print">
+            <a:extLst>
+              <a:ext uri="{28A0092B-C50C-407E-A947-70E740481C1C}">
+                <a14:useLocalDpi xmlns:a14="http://schemas.microsoft.com/office/drawing/2010/main" val="0"/>
+              </a:ext>
+              <a:ext uri="{837473B0-CC2E-450A-ABE3-18F120FF3D39}">
+                <a1611:picAttrSrcUrl xmlns:a1611="http://schemas.microsoft.com/office/drawing/2016/11/main" r:id="rId11"/>
+              </a:ext>
+            </a:extLst>
+          </a:blip>
+          <a:stretch>
+            <a:fillRect/>
+          </a:stretch>
+        </p:blipFill>
+        <p:spPr>
+          <a:xfrm flipH="1">
+            <a:off x="7308304" y="2022540"/>
+            <a:ext cx="597679" cy="597679"/>
+          </a:xfrm>
+          <a:prstGeom prst="rect">
+            <a:avLst/>
+          </a:prstGeom>
+        </p:spPr>
+      </p:pic>
+      <p:pic>
+        <p:nvPicPr>
+          <p:cNvPr id="20" name="그림 19">
+            <a:extLst>
+              <a:ext uri="{FF2B5EF4-FFF2-40B4-BE49-F238E27FC236}">
+                <a16:creationId xmlns:a16="http://schemas.microsoft.com/office/drawing/2014/main" id="{D8E58DC4-7AE2-4BAD-90C3-05C791359626}"/>
+              </a:ext>
+            </a:extLst>
+          </p:cNvPr>
+          <p:cNvPicPr>
+            <a:picLocks noChangeAspect="1"/>
+          </p:cNvPicPr>
+          <p:nvPr/>
+        </p:nvPicPr>
+        <p:blipFill>
+          <a:blip r:embed="rId8" cstate="print">
+            <a:extLst>
+              <a:ext uri="{28A0092B-C50C-407E-A947-70E740481C1C}">
+                <a14:useLocalDpi xmlns:a14="http://schemas.microsoft.com/office/drawing/2010/main" val="0"/>
+              </a:ext>
+              <a:ext uri="{837473B0-CC2E-450A-ABE3-18F120FF3D39}">
+                <a1611:picAttrSrcUrl xmlns:a1611="http://schemas.microsoft.com/office/drawing/2016/11/main" r:id="rId9"/>
+              </a:ext>
+            </a:extLst>
+          </a:blip>
+          <a:stretch>
+            <a:fillRect/>
+          </a:stretch>
+        </p:blipFill>
+        <p:spPr>
+          <a:xfrm flipH="1">
+            <a:off x="7308304" y="3677793"/>
+            <a:ext cx="596382" cy="596382"/>
+          </a:xfrm>
+          <a:prstGeom prst="rect">
+            <a:avLst/>
+          </a:prstGeom>
+        </p:spPr>
+      </p:pic>
+      <p:pic>
+        <p:nvPicPr>
+          <p:cNvPr id="21" name="그림 20">
+            <a:extLst>
+              <a:ext uri="{FF2B5EF4-FFF2-40B4-BE49-F238E27FC236}">
+                <a16:creationId xmlns:a16="http://schemas.microsoft.com/office/drawing/2014/main" id="{23166D30-419A-4B01-9F4D-77FAF80BD3DB}"/>
+              </a:ext>
+            </a:extLst>
+          </p:cNvPr>
+          <p:cNvPicPr>
+            <a:picLocks noChangeAspect="1"/>
+          </p:cNvPicPr>
+          <p:nvPr/>
+        </p:nvPicPr>
+        <p:blipFill>
+          <a:blip r:embed="rId8" cstate="print">
+            <a:extLst>
+              <a:ext uri="{28A0092B-C50C-407E-A947-70E740481C1C}">
+                <a14:useLocalDpi xmlns:a14="http://schemas.microsoft.com/office/drawing/2010/main" val="0"/>
+              </a:ext>
+              <a:ext uri="{837473B0-CC2E-450A-ABE3-18F120FF3D39}">
+                <a1611:picAttrSrcUrl xmlns:a1611="http://schemas.microsoft.com/office/drawing/2016/11/main" r:id="rId9"/>
+              </a:ext>
+            </a:extLst>
+          </a:blip>
+          <a:stretch>
+            <a:fillRect/>
+          </a:stretch>
+        </p:blipFill>
+        <p:spPr>
+          <a:xfrm flipH="1">
+            <a:off x="7308304" y="5290932"/>
+            <a:ext cx="596382" cy="596382"/>
+          </a:xfrm>
+          <a:prstGeom prst="rect">
+            <a:avLst/>
+          </a:prstGeom>
+        </p:spPr>
+      </p:pic>
+      <p:pic>
+        <p:nvPicPr>
+          <p:cNvPr id="22" name="그림 21">
+            <a:extLst>
+              <a:ext uri="{FF2B5EF4-FFF2-40B4-BE49-F238E27FC236}">
+                <a16:creationId xmlns:a16="http://schemas.microsoft.com/office/drawing/2014/main" id="{B565127B-3A7F-4C50-80AB-C2B1FF018E0D}"/>
+              </a:ext>
+            </a:extLst>
+          </p:cNvPr>
+          <p:cNvPicPr>
+            <a:picLocks noChangeAspect="1"/>
+          </p:cNvPicPr>
+          <p:nvPr/>
+        </p:nvPicPr>
+        <p:blipFill>
+          <a:blip r:embed="rId6" cstate="print">
+            <a:extLst>
+              <a:ext uri="{28A0092B-C50C-407E-A947-70E740481C1C}">
+                <a14:useLocalDpi xmlns:a14="http://schemas.microsoft.com/office/drawing/2010/main" val="0"/>
+              </a:ext>
+              <a:ext uri="{837473B0-CC2E-450A-ABE3-18F120FF3D39}">
+                <a1611:picAttrSrcUrl xmlns:a1611="http://schemas.microsoft.com/office/drawing/2016/11/main" r:id="rId7"/>
+              </a:ext>
+            </a:extLst>
+          </a:blip>
+          <a:stretch>
+            <a:fillRect/>
+          </a:stretch>
+        </p:blipFill>
+        <p:spPr>
+          <a:xfrm flipH="1">
+            <a:off x="7307008" y="6074416"/>
+            <a:ext cx="597678" cy="597678"/>
+          </a:xfrm>
+          <a:prstGeom prst="rect">
+            <a:avLst/>
+          </a:prstGeom>
+        </p:spPr>
+      </p:pic>
     </p:spTree>
     <p:extLst>
       <p:ext uri="{BB962C8B-B14F-4D97-AF65-F5344CB8AC3E}">
